--- a/MAUI/Presentation/SampleBrowser.Maui.Presentation/Resources/Presentation/Template.pptx
+++ b/MAUI/Presentation/SampleBrowser.Maui.Presentation/Resources/Presentation/Template.pptx
@@ -6,8 +6,9 @@
   </p:sldMasterIdLst>
   <p:sldIdLst>
     <p:sldId id="256" r:id="rId2"/>
-    <p:sldId id="260" r:id="rId3"/>
-    <p:sldId id="261" r:id="rId4"/>
+    <p:sldId id="262" r:id="rId3"/>
+    <p:sldId id="260" r:id="rId4"/>
+    <p:sldId id="261" r:id="rId5"/>
   </p:sldIdLst>
   <p:sldSz cx="12192000" cy="6858000"/>
   <p:notesSz cx="6858000" cy="9144000"/>
@@ -1286,7 +1287,7 @@
           <a:p>
             <a:fld id="{5455A7CF-DB6C-4325-93B5-8C3F06D80356}" type="datetimeFigureOut">
               <a:rPr lang="en-US" smtClean="0"/>
-              <a:t>2/27/2019</a:t>
+              <a:t>12/6/2023</a:t>
             </a:fld>
             <a:endParaRPr lang="en-US"/>
           </a:p>
@@ -1484,7 +1485,7 @@
           <a:p>
             <a:fld id="{5455A7CF-DB6C-4325-93B5-8C3F06D80356}" type="datetimeFigureOut">
               <a:rPr lang="en-US" smtClean="0"/>
-              <a:t>2/27/2019</a:t>
+              <a:t>12/6/2023</a:t>
             </a:fld>
             <a:endParaRPr lang="en-US"/>
           </a:p>
@@ -1692,7 +1693,7 @@
           <a:p>
             <a:fld id="{5455A7CF-DB6C-4325-93B5-8C3F06D80356}" type="datetimeFigureOut">
               <a:rPr lang="en-US" smtClean="0"/>
-              <a:t>2/27/2019</a:t>
+              <a:t>12/6/2023</a:t>
             </a:fld>
             <a:endParaRPr lang="en-US"/>
           </a:p>
@@ -1890,7 +1891,7 @@
           <a:p>
             <a:fld id="{5455A7CF-DB6C-4325-93B5-8C3F06D80356}" type="datetimeFigureOut">
               <a:rPr lang="en-US" smtClean="0"/>
-              <a:t>2/27/2019</a:t>
+              <a:t>12/6/2023</a:t>
             </a:fld>
             <a:endParaRPr lang="en-US"/>
           </a:p>
@@ -2165,7 +2166,7 @@
           <a:p>
             <a:fld id="{5455A7CF-DB6C-4325-93B5-8C3F06D80356}" type="datetimeFigureOut">
               <a:rPr lang="en-US" smtClean="0"/>
-              <a:t>2/27/2019</a:t>
+              <a:t>12/6/2023</a:t>
             </a:fld>
             <a:endParaRPr lang="en-US"/>
           </a:p>
@@ -2430,7 +2431,7 @@
           <a:p>
             <a:fld id="{5455A7CF-DB6C-4325-93B5-8C3F06D80356}" type="datetimeFigureOut">
               <a:rPr lang="en-US" smtClean="0"/>
-              <a:t>2/27/2019</a:t>
+              <a:t>12/6/2023</a:t>
             </a:fld>
             <a:endParaRPr lang="en-US"/>
           </a:p>
@@ -2842,7 +2843,7 @@
           <a:p>
             <a:fld id="{5455A7CF-DB6C-4325-93B5-8C3F06D80356}" type="datetimeFigureOut">
               <a:rPr lang="en-US" smtClean="0"/>
-              <a:t>2/27/2019</a:t>
+              <a:t>12/6/2023</a:t>
             </a:fld>
             <a:endParaRPr lang="en-US"/>
           </a:p>
@@ -2983,7 +2984,7 @@
           <a:p>
             <a:fld id="{5455A7CF-DB6C-4325-93B5-8C3F06D80356}" type="datetimeFigureOut">
               <a:rPr lang="en-US" smtClean="0"/>
-              <a:t>2/27/2019</a:t>
+              <a:t>12/6/2023</a:t>
             </a:fld>
             <a:endParaRPr lang="en-US"/>
           </a:p>
@@ -3096,7 +3097,7 @@
           <a:p>
             <a:fld id="{5455A7CF-DB6C-4325-93B5-8C3F06D80356}" type="datetimeFigureOut">
               <a:rPr lang="en-US" smtClean="0"/>
-              <a:t>2/27/2019</a:t>
+              <a:t>12/6/2023</a:t>
             </a:fld>
             <a:endParaRPr lang="en-US"/>
           </a:p>
@@ -3407,7 +3408,7 @@
           <a:p>
             <a:fld id="{5455A7CF-DB6C-4325-93B5-8C3F06D80356}" type="datetimeFigureOut">
               <a:rPr lang="en-US" smtClean="0"/>
-              <a:t>2/27/2019</a:t>
+              <a:t>12/6/2023</a:t>
             </a:fld>
             <a:endParaRPr lang="en-US"/>
           </a:p>
@@ -3695,7 +3696,7 @@
           <a:p>
             <a:fld id="{5455A7CF-DB6C-4325-93B5-8C3F06D80356}" type="datetimeFigureOut">
               <a:rPr lang="en-US" smtClean="0"/>
-              <a:t>2/27/2019</a:t>
+              <a:t>12/6/2023</a:t>
             </a:fld>
             <a:endParaRPr lang="en-US"/>
           </a:p>
@@ -3936,7 +3937,7 @@
           <a:p>
             <a:fld id="{5455A7CF-DB6C-4325-93B5-8C3F06D80356}" type="datetimeFigureOut">
               <a:rPr lang="en-US" smtClean="0"/>
-              <a:t>2/27/2019</a:t>
+              <a:t>12/6/2023</a:t>
             </a:fld>
             <a:endParaRPr lang="en-US"/>
           </a:p>
@@ -4567,6 +4568,580 @@
           <a:chExt cx="0" cy="0"/>
         </a:xfrm>
       </p:grpSpPr>
+      <p:sp>
+        <p:nvSpPr>
+          <p:cNvPr id="10" name="Title 1">
+            <a:extLst>
+              <a:ext uri="{FF2B5EF4-FFF2-40B4-BE49-F238E27FC236}">
+                <a16:creationId xmlns:a16="http://schemas.microsoft.com/office/drawing/2014/main" id="{DAF446A2-4B07-1266-1DE8-BD5AF6C1E126}"/>
+              </a:ext>
+            </a:extLst>
+          </p:cNvPr>
+          <p:cNvSpPr txBox="1">
+            <a:spLocks/>
+          </p:cNvSpPr>
+          <p:nvPr/>
+        </p:nvSpPr>
+        <p:spPr>
+          <a:xfrm>
+            <a:off x="761839" y="871146"/>
+            <a:ext cx="4544762" cy="1401183"/>
+          </a:xfrm>
+          <a:prstGeom prst="rect">
+            <a:avLst/>
+          </a:prstGeom>
+        </p:spPr>
+        <p:txBody>
+          <a:bodyPr vert="horz" lIns="91440" tIns="45720" rIns="91440" bIns="45720" rtlCol="0" anchor="t">
+            <a:normAutofit/>
+          </a:bodyPr>
+          <a:lstStyle>
+            <a:lvl1pPr algn="l" defTabSz="914400" rtl="0" eaLnBrk="1" latinLnBrk="0" hangingPunct="1">
+              <a:lnSpc>
+                <a:spcPct val="90000"/>
+              </a:lnSpc>
+              <a:spcBef>
+                <a:spcPct val="0"/>
+              </a:spcBef>
+              <a:buNone/>
+              <a:defRPr sz="4400" kern="1200">
+                <a:solidFill>
+                  <a:schemeClr val="tx1"/>
+                </a:solidFill>
+                <a:latin typeface="+mj-lt"/>
+                <a:ea typeface="+mj-ea"/>
+                <a:cs typeface="+mj-cs"/>
+              </a:defRPr>
+            </a:lvl1pPr>
+          </a:lstStyle>
+          <a:p>
+            <a:r>
+              <a:rPr lang="en-US" sz="3200" dirty="0">
+                <a:latin typeface="+mn-lt"/>
+              </a:rPr>
+              <a:t>CHEST X-RAY REPORT</a:t>
+            </a:r>
+          </a:p>
+        </p:txBody>
+      </p:sp>
+      <p:sp>
+        <p:nvSpPr>
+          <p:cNvPr id="11" name="Rectangle 9">
+            <a:extLst>
+              <a:ext uri="{FF2B5EF4-FFF2-40B4-BE49-F238E27FC236}">
+                <a16:creationId xmlns:a16="http://schemas.microsoft.com/office/drawing/2014/main" id="{5673CC79-1B73-5AA5-74EE-DCBA87C263E6}"/>
+              </a:ext>
+            </a:extLst>
+          </p:cNvPr>
+          <p:cNvSpPr>
+            <a:spLocks noChangeArrowheads="1"/>
+          </p:cNvSpPr>
+          <p:nvPr/>
+        </p:nvSpPr>
+        <p:spPr bwMode="auto">
+          <a:xfrm>
+            <a:off x="761839" y="1760198"/>
+            <a:ext cx="5334161" cy="4147998"/>
+          </a:xfrm>
+          <a:prstGeom prst="rect">
+            <a:avLst/>
+          </a:prstGeom>
+          <a:extLst>
+            <a:ext uri="{909E8E84-426E-40DD-AFC4-6F175D3DCCD1}">
+              <a14:hiddenFill xmlns:a14="http://schemas.microsoft.com/office/drawing/2010/main">
+                <a:solidFill>
+                  <a:schemeClr val="accent1"/>
+                </a:solidFill>
+              </a14:hiddenFill>
+            </a:ext>
+            <a:ext uri="{91240B29-F687-4F45-9708-019B960494DF}">
+              <a14:hiddenLine xmlns:a14="http://schemas.microsoft.com/office/drawing/2010/main" w="9525">
+                <a:solidFill>
+                  <a:schemeClr val="tx1"/>
+                </a:solidFill>
+                <a:miter lim="800000"/>
+                <a:headEnd/>
+                <a:tailEnd/>
+              </a14:hiddenLine>
+            </a:ext>
+            <a:ext uri="{AF507438-7753-43E0-B8FC-AC1667EBCBE1}">
+              <a14:hiddenEffects xmlns:a14="http://schemas.microsoft.com/office/drawing/2010/main">
+                <a:effectLst>
+                  <a:outerShdw dist="35921" dir="2700000" algn="ctr" rotWithShape="0">
+                    <a:schemeClr val="bg2"/>
+                  </a:outerShdw>
+                </a:effectLst>
+              </a14:hiddenEffects>
+            </a:ext>
+          </a:extLst>
+        </p:spPr>
+        <p:txBody>
+          <a:bodyPr vert="horz" lIns="91440" tIns="45720" rIns="91440" bIns="45720" numCol="1" rtlCol="0" anchorCtr="0" compatLnSpc="1">
+            <a:prstTxWarp prst="textNoShape">
+              <a:avLst/>
+            </a:prstTxWarp>
+            <a:noAutofit/>
+          </a:bodyPr>
+          <a:lstStyle>
+            <a:lvl1pPr eaLnBrk="0" fontAlgn="base" hangingPunct="0">
+              <a:spcBef>
+                <a:spcPct val="0"/>
+              </a:spcBef>
+              <a:spcAft>
+                <a:spcPct val="0"/>
+              </a:spcAft>
+              <a:defRPr>
+                <a:solidFill>
+                  <a:schemeClr val="tx1"/>
+                </a:solidFill>
+                <a:latin typeface="Arial" panose="020B0604020202020204" pitchFamily="34" charset="0"/>
+              </a:defRPr>
+            </a:lvl1pPr>
+            <a:lvl2pPr eaLnBrk="0" fontAlgn="base" hangingPunct="0">
+              <a:spcBef>
+                <a:spcPct val="0"/>
+              </a:spcBef>
+              <a:spcAft>
+                <a:spcPct val="0"/>
+              </a:spcAft>
+              <a:defRPr>
+                <a:solidFill>
+                  <a:schemeClr val="tx1"/>
+                </a:solidFill>
+                <a:latin typeface="Arial" panose="020B0604020202020204" pitchFamily="34" charset="0"/>
+              </a:defRPr>
+            </a:lvl2pPr>
+            <a:lvl3pPr eaLnBrk="0" fontAlgn="base" hangingPunct="0">
+              <a:spcBef>
+                <a:spcPct val="0"/>
+              </a:spcBef>
+              <a:spcAft>
+                <a:spcPct val="0"/>
+              </a:spcAft>
+              <a:defRPr>
+                <a:solidFill>
+                  <a:schemeClr val="tx1"/>
+                </a:solidFill>
+                <a:latin typeface="Arial" panose="020B0604020202020204" pitchFamily="34" charset="0"/>
+              </a:defRPr>
+            </a:lvl3pPr>
+            <a:lvl4pPr eaLnBrk="0" fontAlgn="base" hangingPunct="0">
+              <a:spcBef>
+                <a:spcPct val="0"/>
+              </a:spcBef>
+              <a:spcAft>
+                <a:spcPct val="0"/>
+              </a:spcAft>
+              <a:defRPr>
+                <a:solidFill>
+                  <a:schemeClr val="tx1"/>
+                </a:solidFill>
+                <a:latin typeface="Arial" panose="020B0604020202020204" pitchFamily="34" charset="0"/>
+              </a:defRPr>
+            </a:lvl4pPr>
+            <a:lvl5pPr eaLnBrk="0" fontAlgn="base" hangingPunct="0">
+              <a:spcBef>
+                <a:spcPct val="0"/>
+              </a:spcBef>
+              <a:spcAft>
+                <a:spcPct val="0"/>
+              </a:spcAft>
+              <a:defRPr>
+                <a:solidFill>
+                  <a:schemeClr val="tx1"/>
+                </a:solidFill>
+                <a:latin typeface="Arial" panose="020B0604020202020204" pitchFamily="34" charset="0"/>
+              </a:defRPr>
+            </a:lvl5pPr>
+            <a:lvl6pPr eaLnBrk="0" fontAlgn="base" hangingPunct="0">
+              <a:spcBef>
+                <a:spcPct val="0"/>
+              </a:spcBef>
+              <a:spcAft>
+                <a:spcPct val="0"/>
+              </a:spcAft>
+              <a:defRPr>
+                <a:solidFill>
+                  <a:schemeClr val="tx1"/>
+                </a:solidFill>
+                <a:latin typeface="Arial" panose="020B0604020202020204" pitchFamily="34" charset="0"/>
+              </a:defRPr>
+            </a:lvl6pPr>
+            <a:lvl7pPr eaLnBrk="0" fontAlgn="base" hangingPunct="0">
+              <a:spcBef>
+                <a:spcPct val="0"/>
+              </a:spcBef>
+              <a:spcAft>
+                <a:spcPct val="0"/>
+              </a:spcAft>
+              <a:defRPr>
+                <a:solidFill>
+                  <a:schemeClr val="tx1"/>
+                </a:solidFill>
+                <a:latin typeface="Arial" panose="020B0604020202020204" pitchFamily="34" charset="0"/>
+              </a:defRPr>
+            </a:lvl7pPr>
+            <a:lvl8pPr eaLnBrk="0" fontAlgn="base" hangingPunct="0">
+              <a:spcBef>
+                <a:spcPct val="0"/>
+              </a:spcBef>
+              <a:spcAft>
+                <a:spcPct val="0"/>
+              </a:spcAft>
+              <a:defRPr>
+                <a:solidFill>
+                  <a:schemeClr val="tx1"/>
+                </a:solidFill>
+                <a:latin typeface="Arial" panose="020B0604020202020204" pitchFamily="34" charset="0"/>
+              </a:defRPr>
+            </a:lvl8pPr>
+            <a:lvl9pPr eaLnBrk="0" fontAlgn="base" hangingPunct="0">
+              <a:spcBef>
+                <a:spcPct val="0"/>
+              </a:spcBef>
+              <a:spcAft>
+                <a:spcPct val="0"/>
+              </a:spcAft>
+              <a:defRPr>
+                <a:solidFill>
+                  <a:schemeClr val="tx1"/>
+                </a:solidFill>
+                <a:latin typeface="Arial" panose="020B0604020202020204" pitchFamily="34" charset="0"/>
+              </a:defRPr>
+            </a:lvl9pPr>
+          </a:lstStyle>
+          <a:p>
+            <a:pPr marL="0" marR="0" lvl="0" indent="-228600" eaLnBrk="1" fontAlgn="base" hangingPunct="1">
+              <a:lnSpc>
+                <a:spcPct val="90000"/>
+              </a:lnSpc>
+              <a:spcBef>
+                <a:spcPct val="0"/>
+              </a:spcBef>
+              <a:spcAft>
+                <a:spcPts val="600"/>
+              </a:spcAft>
+              <a:buClrTx/>
+              <a:buSzTx/>
+              <a:buFont typeface="Arial" panose="020B0604020202020204" pitchFamily="34" charset="0"/>
+              <a:buChar char="•"/>
+              <a:tabLst/>
+            </a:pPr>
+            <a:endParaRPr lang="en-US" altLang="en-US" dirty="0">
+              <a:latin typeface="+mn-lt"/>
+            </a:endParaRPr>
+          </a:p>
+          <a:p>
+            <a:pPr marR="0" lvl="0" eaLnBrk="1" fontAlgn="base" hangingPunct="1">
+              <a:lnSpc>
+                <a:spcPct val="90000"/>
+              </a:lnSpc>
+              <a:spcBef>
+                <a:spcPct val="0"/>
+              </a:spcBef>
+              <a:spcAft>
+                <a:spcPts val="600"/>
+              </a:spcAft>
+              <a:buClrTx/>
+              <a:buSzTx/>
+              <a:tabLst/>
+            </a:pPr>
+            <a:r>
+              <a:rPr lang="en-US" altLang="en-US" b="1" dirty="0">
+                <a:latin typeface="+mn-lt"/>
+              </a:rPr>
+              <a:t>X-ray Number : </a:t>
+            </a:r>
+            <a:r>
+              <a:rPr lang="en-US" altLang="en-US" dirty="0">
+                <a:latin typeface="+mn-lt"/>
+              </a:rPr>
+              <a:t>52587412</a:t>
+            </a:r>
+          </a:p>
+          <a:p>
+            <a:pPr marL="0" marR="0" lvl="0" indent="-228600" eaLnBrk="1" fontAlgn="base" hangingPunct="1">
+              <a:lnSpc>
+                <a:spcPct val="90000"/>
+              </a:lnSpc>
+              <a:spcBef>
+                <a:spcPct val="0"/>
+              </a:spcBef>
+              <a:spcAft>
+                <a:spcPts val="600"/>
+              </a:spcAft>
+              <a:buClrTx/>
+              <a:buSzTx/>
+              <a:buFont typeface="Arial" panose="020B0604020202020204" pitchFamily="34" charset="0"/>
+              <a:buChar char="•"/>
+              <a:tabLst/>
+            </a:pPr>
+            <a:endParaRPr lang="en-US" altLang="en-US" dirty="0">
+              <a:latin typeface="+mn-lt"/>
+            </a:endParaRPr>
+          </a:p>
+          <a:p>
+            <a:pPr marR="0" lvl="0" eaLnBrk="1" fontAlgn="base" hangingPunct="1">
+              <a:lnSpc>
+                <a:spcPct val="90000"/>
+              </a:lnSpc>
+              <a:spcBef>
+                <a:spcPct val="0"/>
+              </a:spcBef>
+              <a:spcAft>
+                <a:spcPts val="600"/>
+              </a:spcAft>
+              <a:buClrTx/>
+              <a:buSzTx/>
+              <a:tabLst/>
+            </a:pPr>
+            <a:r>
+              <a:rPr lang="en-US" altLang="en-US" b="1" dirty="0">
+                <a:latin typeface="+mn-lt"/>
+              </a:rPr>
+              <a:t>READINGS :</a:t>
+            </a:r>
+          </a:p>
+          <a:p>
+            <a:pPr marL="0" marR="0" lvl="0" indent="-228600" eaLnBrk="1" fontAlgn="base" hangingPunct="1">
+              <a:spcBef>
+                <a:spcPct val="0"/>
+              </a:spcBef>
+              <a:spcAft>
+                <a:spcPts val="600"/>
+              </a:spcAft>
+              <a:buClrTx/>
+              <a:buSzTx/>
+              <a:buFont typeface="Arial" panose="020B0604020202020204" pitchFamily="34" charset="0"/>
+              <a:buChar char="•"/>
+              <a:tabLst/>
+            </a:pPr>
+            <a:r>
+              <a:rPr lang="en-US" altLang="en-US" b="1" dirty="0">
+                <a:latin typeface="+mn-lt"/>
+              </a:rPr>
+              <a:t>Lungs : </a:t>
+            </a:r>
+            <a:r>
+              <a:rPr lang="en-US" altLang="en-US" dirty="0">
+                <a:latin typeface="+mn-lt"/>
+              </a:rPr>
+              <a:t>Clear and well-inflated; no signs of pneumonia, pneumothorax, or effusion.</a:t>
+            </a:r>
+          </a:p>
+          <a:p>
+            <a:pPr marL="0" marR="0" lvl="0" indent="-228600" eaLnBrk="1" fontAlgn="base" hangingPunct="1">
+              <a:spcBef>
+                <a:spcPct val="0"/>
+              </a:spcBef>
+              <a:spcAft>
+                <a:spcPts val="600"/>
+              </a:spcAft>
+              <a:buClrTx/>
+              <a:buSzTx/>
+              <a:buFont typeface="Arial" panose="020B0604020202020204" pitchFamily="34" charset="0"/>
+              <a:buChar char="•"/>
+              <a:tabLst/>
+            </a:pPr>
+            <a:r>
+              <a:rPr lang="en-US" altLang="en-US" b="1" dirty="0">
+                <a:latin typeface="+mn-lt"/>
+              </a:rPr>
+              <a:t>Heart : </a:t>
+            </a:r>
+            <a:r>
+              <a:rPr lang="en-US" altLang="en-US" dirty="0">
+                <a:latin typeface="+mn-lt"/>
+              </a:rPr>
+              <a:t>Normal size and shape; cardiac silhouette within normal limits; no cardiomegaly or pericardial effusion. </a:t>
+            </a:r>
+          </a:p>
+          <a:p>
+            <a:pPr marL="0" marR="0" lvl="0" indent="-228600" eaLnBrk="1" fontAlgn="base" hangingPunct="1">
+              <a:spcBef>
+                <a:spcPct val="0"/>
+              </a:spcBef>
+              <a:spcAft>
+                <a:spcPts val="600"/>
+              </a:spcAft>
+              <a:buClrTx/>
+              <a:buSzTx/>
+              <a:buFont typeface="Arial" panose="020B0604020202020204" pitchFamily="34" charset="0"/>
+              <a:buChar char="•"/>
+              <a:tabLst/>
+            </a:pPr>
+            <a:r>
+              <a:rPr lang="en-US" altLang="en-US" b="1" dirty="0">
+                <a:latin typeface="+mn-lt"/>
+              </a:rPr>
+              <a:t>Diaphragms : </a:t>
+            </a:r>
+            <a:r>
+              <a:rPr lang="en-US" altLang="en-US" dirty="0">
+                <a:latin typeface="+mn-lt"/>
+              </a:rPr>
+              <a:t>Well-defined and even; no elevation or depression.</a:t>
+            </a:r>
+          </a:p>
+          <a:p>
+            <a:pPr marL="0" marR="0" lvl="0" indent="-228600" eaLnBrk="1" fontAlgn="base" hangingPunct="1">
+              <a:spcBef>
+                <a:spcPct val="0"/>
+              </a:spcBef>
+              <a:spcAft>
+                <a:spcPts val="600"/>
+              </a:spcAft>
+              <a:buClrTx/>
+              <a:buSzTx/>
+              <a:buFont typeface="Arial" panose="020B0604020202020204" pitchFamily="34" charset="0"/>
+              <a:buChar char="•"/>
+              <a:tabLst/>
+            </a:pPr>
+            <a:r>
+              <a:rPr lang="en-US" altLang="en-US" b="1" dirty="0">
+                <a:latin typeface="+mn-lt"/>
+              </a:rPr>
+              <a:t>Bones : </a:t>
+            </a:r>
+            <a:r>
+              <a:rPr lang="en-US" altLang="en-US" dirty="0">
+                <a:latin typeface="+mn-lt"/>
+              </a:rPr>
+              <a:t>Normal appearance; no fractures or dislocations.</a:t>
+            </a:r>
+          </a:p>
+        </p:txBody>
+      </p:sp>
+      <p:pic>
+        <p:nvPicPr>
+          <p:cNvPr id="12" name="Picture 1" descr="A chest x-ray of a person&#10;&#10;Description automatically generated">
+            <a:extLst>
+              <a:ext uri="{FF2B5EF4-FFF2-40B4-BE49-F238E27FC236}">
+                <a16:creationId xmlns:a16="http://schemas.microsoft.com/office/drawing/2014/main" id="{E3689B34-F6A6-D4EE-3C2A-7FB96FFCDC5B}"/>
+              </a:ext>
+            </a:extLst>
+          </p:cNvPr>
+          <p:cNvPicPr>
+            <a:picLocks noChangeAspect="1" noChangeArrowheads="1"/>
+          </p:cNvPicPr>
+          <p:nvPr/>
+        </p:nvPicPr>
+        <p:blipFill>
+          <a:blip r:embed="rId2">
+            <a:extLst>
+              <a:ext uri="{28A0092B-C50C-407E-A947-70E740481C1C}">
+                <a14:useLocalDpi xmlns:a14="http://schemas.microsoft.com/office/drawing/2010/main" val="0"/>
+              </a:ext>
+            </a:extLst>
+          </a:blip>
+          <a:stretch>
+            <a:fillRect/>
+          </a:stretch>
+        </p:blipFill>
+        <p:spPr bwMode="auto">
+          <a:xfrm>
+            <a:off x="7069394" y="771754"/>
+            <a:ext cx="4005494" cy="4579148"/>
+          </a:xfrm>
+          <a:prstGeom prst="rect">
+            <a:avLst/>
+          </a:prstGeom>
+          <a:noFill/>
+          <a:extLst>
+            <a:ext uri="{909E8E84-426E-40DD-AFC4-6F175D3DCCD1}">
+              <a14:hiddenFill xmlns:a14="http://schemas.microsoft.com/office/drawing/2010/main">
+                <a:solidFill>
+                  <a:srgbClr val="FFFFFF"/>
+                </a:solidFill>
+              </a14:hiddenFill>
+            </a:ext>
+          </a:extLst>
+        </p:spPr>
+      </p:pic>
+      <p:sp>
+        <p:nvSpPr>
+          <p:cNvPr id="13" name="Text Box 6">
+            <a:extLst>
+              <a:ext uri="{FF2B5EF4-FFF2-40B4-BE49-F238E27FC236}">
+                <a16:creationId xmlns:a16="http://schemas.microsoft.com/office/drawing/2014/main" id="{D0E5E2ED-8D7A-4B6D-4121-1EDA37E9CBED}"/>
+              </a:ext>
+            </a:extLst>
+          </p:cNvPr>
+          <p:cNvSpPr txBox="1"/>
+          <p:nvPr/>
+        </p:nvSpPr>
+        <p:spPr>
+          <a:xfrm>
+            <a:off x="7695739" y="5452777"/>
+            <a:ext cx="3198403" cy="230832"/>
+          </a:xfrm>
+          <a:prstGeom prst="rect">
+            <a:avLst/>
+          </a:prstGeom>
+          <a:solidFill>
+            <a:prstClr val="white"/>
+          </a:solidFill>
+          <a:ln>
+            <a:noFill/>
+          </a:ln>
+        </p:spPr>
+        <p:txBody>
+          <a:bodyPr rot="0" spcFirstLastPara="0" vert="horz" wrap="square" lIns="0" tIns="0" rIns="0" bIns="0" numCol="1" spcCol="0" rtlCol="0" fromWordArt="0" anchor="t" anchorCtr="0" forceAA="0" compatLnSpc="1">
+            <a:prstTxWarp prst="textNoShape">
+              <a:avLst/>
+            </a:prstTxWarp>
+            <a:spAutoFit/>
+          </a:bodyPr>
+          <a:lstStyle/>
+          <a:p>
+            <a:pPr marL="0" marR="0" algn="ctr">
+              <a:spcBef>
+                <a:spcPts val="0"/>
+              </a:spcBef>
+              <a:spcAft>
+                <a:spcPts val="0"/>
+              </a:spcAft>
+            </a:pPr>
+            <a:r>
+              <a:rPr lang="en-US" sz="1500" i="1" dirty="0">
+                <a:effectLst/>
+                <a:ea typeface="Times New Roman" panose="02020603050405020304" pitchFamily="18" charset="0"/>
+              </a:rPr>
+              <a:t>Figure 1: Chest X-ray- TIFF Version</a:t>
+            </a:r>
+          </a:p>
+        </p:txBody>
+      </p:sp>
+    </p:spTree>
+    <p:extLst>
+      <p:ext uri="{BB962C8B-B14F-4D97-AF65-F5344CB8AC3E}">
+        <p14:creationId xmlns:p14="http://schemas.microsoft.com/office/powerpoint/2010/main" val="4027211067"/>
+      </p:ext>
+    </p:extLst>
+  </p:cSld>
+  <p:clrMapOvr>
+    <a:masterClrMapping/>
+  </p:clrMapOvr>
+</p:sld>
+</file>
+
+<file path=ppt/slides/slide3.xml><?xml version="1.0" encoding="utf-8"?>
+<p:sld xmlns:a="http://schemas.openxmlformats.org/drawingml/2006/main" xmlns:r="http://schemas.openxmlformats.org/officeDocument/2006/relationships" xmlns:p="http://schemas.openxmlformats.org/presentationml/2006/main">
+  <p:cSld>
+    <p:spTree>
+      <p:nvGrpSpPr>
+        <p:cNvPr id="1" name=""/>
+        <p:cNvGrpSpPr/>
+        <p:nvPr/>
+      </p:nvGrpSpPr>
+      <p:grpSpPr>
+        <a:xfrm>
+          <a:off x="0" y="0"/>
+          <a:ext cx="0" cy="0"/>
+          <a:chOff x="0" y="0"/>
+          <a:chExt cx="0" cy="0"/>
+        </a:xfrm>
+      </p:grpSpPr>
       <p:graphicFrame>
         <p:nvGraphicFramePr>
           <p:cNvPr id="4" name="Chart 3">
@@ -4608,7 +5183,7 @@
 </p:sld>
 </file>
 
-<file path=ppt/slides/slide3.xml><?xml version="1.0" encoding="utf-8"?>
+<file path=ppt/slides/slide4.xml><?xml version="1.0" encoding="utf-8"?>
 <p:sld xmlns:a="http://schemas.openxmlformats.org/drawingml/2006/main" xmlns:r="http://schemas.openxmlformats.org/officeDocument/2006/relationships" xmlns:p="http://schemas.openxmlformats.org/presentationml/2006/main">
   <p:cSld>
     <p:spTree>
